--- a/trunk/docs/W-9 Working Document/W-9.3 Presentation Slides/Phase1/System Architecture.pptx
+++ b/trunk/docs/W-9 Working Document/W-9.3 Presentation Slides/Phase1/System Architecture.pptx
@@ -6,8 +6,9 @@
   </p:sldMasterIdLst>
   <p:sldIdLst>
     <p:sldId id="257" r:id="rId2"/>
-    <p:sldId id="258" r:id="rId3"/>
-    <p:sldId id="259" r:id="rId4"/>
+    <p:sldId id="260" r:id="rId3"/>
+    <p:sldId id="258" r:id="rId4"/>
+    <p:sldId id="259" r:id="rId5"/>
   </p:sldIdLst>
   <p:sldSz cx="9144000" cy="6858000" type="screen4x3"/>
   <p:notesSz cx="6858000" cy="9144000"/>
@@ -3184,7 +3185,158 @@
           <a:p>
             <a:r>
               <a:rPr lang="en-US" dirty="0" smtClean="0"/>
-              <a:t>Framework Overview</a:t>
+              <a:t>System Architecture</a:t>
+            </a:r>
+            <a:endParaRPr lang="en-US" dirty="0"/>
+          </a:p>
+        </p:txBody>
+      </p:sp>
+      <p:sp>
+        <p:nvSpPr>
+          <p:cNvPr id="3" name="Content Placeholder 2"/>
+          <p:cNvSpPr>
+            <a:spLocks noGrp="1"/>
+          </p:cNvSpPr>
+          <p:nvPr>
+            <p:ph idx="1"/>
+          </p:nvPr>
+        </p:nvSpPr>
+        <p:spPr/>
+        <p:txBody>
+          <a:bodyPr>
+            <a:normAutofit lnSpcReduction="10000"/>
+          </a:bodyPr>
+          <a:lstStyle/>
+          <a:p>
+            <a:r>
+              <a:rPr lang="en-US" dirty="0" smtClean="0"/>
+              <a:t>Web Server</a:t>
+            </a:r>
+          </a:p>
+          <a:p>
+            <a:pPr lvl="1"/>
+            <a:r>
+              <a:rPr lang="en-US" dirty="0" smtClean="0"/>
+              <a:t>Apache </a:t>
+            </a:r>
+            <a:r>
+              <a:rPr lang="en-US" dirty="0" smtClean="0"/>
+              <a:t>2.2</a:t>
+            </a:r>
+          </a:p>
+          <a:p>
+            <a:pPr lvl="1"/>
+            <a:r>
+              <a:rPr lang="en-US" dirty="0" smtClean="0"/>
+              <a:t>Apache </a:t>
+            </a:r>
+            <a:r>
+              <a:rPr lang="en-US" dirty="0" smtClean="0"/>
+              <a:t>Load Balancer (JK </a:t>
+            </a:r>
+            <a:r>
+              <a:rPr lang="en-US" dirty="0" smtClean="0"/>
+              <a:t>module)</a:t>
+            </a:r>
+          </a:p>
+          <a:p>
+            <a:r>
+              <a:rPr lang="en-US" dirty="0" smtClean="0"/>
+              <a:t>Application Server</a:t>
+            </a:r>
+          </a:p>
+          <a:p>
+            <a:pPr lvl="1"/>
+            <a:r>
+              <a:rPr lang="en-US" dirty="0" smtClean="0"/>
+              <a:t>Tomcat 6.0</a:t>
+            </a:r>
+          </a:p>
+          <a:p>
+            <a:r>
+              <a:rPr lang="en-US" dirty="0" smtClean="0"/>
+              <a:t>Database Server (RDBMS)</a:t>
+            </a:r>
+          </a:p>
+          <a:p>
+            <a:pPr lvl="1"/>
+            <a:r>
+              <a:rPr lang="en-US" dirty="0" smtClean="0"/>
+              <a:t>Microsoft SQL Server 2008</a:t>
+            </a:r>
+          </a:p>
+          <a:p>
+            <a:r>
+              <a:rPr lang="en-US" dirty="0" smtClean="0"/>
+              <a:t>Mail Server</a:t>
+            </a:r>
+          </a:p>
+          <a:p>
+            <a:pPr lvl="1"/>
+            <a:r>
+              <a:rPr lang="en-US" dirty="0" smtClean="0"/>
+              <a:t>POP Mail server (</a:t>
+            </a:r>
+            <a:r>
+              <a:rPr lang="en-US" dirty="0" err="1" smtClean="0"/>
+              <a:t>eg</a:t>
+            </a:r>
+            <a:r>
+              <a:rPr lang="en-US" dirty="0" smtClean="0"/>
+              <a:t>. Gmail)</a:t>
+            </a:r>
+            <a:endParaRPr lang="en-US" dirty="0" smtClean="0"/>
+          </a:p>
+          <a:p>
+            <a:endParaRPr lang="en-US" dirty="0" smtClean="0"/>
+          </a:p>
+        </p:txBody>
+      </p:sp>
+    </p:spTree>
+  </p:cSld>
+  <p:clrMapOvr>
+    <a:masterClrMapping/>
+  </p:clrMapOvr>
+</p:sld>
+</file>
+
+<file path=ppt/slides/slide3.xml><?xml version="1.0" encoding="utf-8"?>
+<p:sld xmlns:a="http://schemas.openxmlformats.org/drawingml/2006/main" xmlns:r="http://schemas.openxmlformats.org/officeDocument/2006/relationships" xmlns:p="http://schemas.openxmlformats.org/presentationml/2006/main">
+  <p:cSld>
+    <p:spTree>
+      <p:nvGrpSpPr>
+        <p:cNvPr id="1" name=""/>
+        <p:cNvGrpSpPr/>
+        <p:nvPr/>
+      </p:nvGrpSpPr>
+      <p:grpSpPr>
+        <a:xfrm>
+          <a:off x="0" y="0"/>
+          <a:ext cx="0" cy="0"/>
+          <a:chOff x="0" y="0"/>
+          <a:chExt cx="0" cy="0"/>
+        </a:xfrm>
+      </p:grpSpPr>
+      <p:sp>
+        <p:nvSpPr>
+          <p:cNvPr id="2" name="Title 1"/>
+          <p:cNvSpPr>
+            <a:spLocks noGrp="1"/>
+          </p:cNvSpPr>
+          <p:nvPr>
+            <p:ph type="title"/>
+          </p:nvPr>
+        </p:nvSpPr>
+        <p:spPr/>
+        <p:txBody>
+          <a:bodyPr>
+            <a:normAutofit fontScale="90000"/>
+          </a:bodyPr>
+          <a:lstStyle/>
+          <a:p>
+            <a:r>
+              <a:rPr lang="en-US" dirty="0" smtClean="0"/>
+              <a:t>High Level Architecture – Framework Overview</a:t>
             </a:r>
             <a:endParaRPr lang="en-US" dirty="0"/>
           </a:p>
@@ -3211,7 +3363,7 @@
       </p:sp>
       <p:pic>
         <p:nvPicPr>
-          <p:cNvPr id="2050" name="Picture 2"/>
+          <p:cNvPr id="1026" name="Picture 2"/>
           <p:cNvPicPr>
             <a:picLocks noChangeAspect="1" noChangeArrowheads="1"/>
           </p:cNvPicPr>
@@ -3226,8 +3378,8 @@
         </p:blipFill>
         <p:spPr bwMode="auto">
           <a:xfrm>
-            <a:off x="393441" y="2057400"/>
-            <a:ext cx="8369559" cy="3429000"/>
+            <a:off x="304799" y="2057400"/>
+            <a:ext cx="8555549" cy="3505200"/>
           </a:xfrm>
           <a:prstGeom prst="rect">
             <a:avLst/>
@@ -3256,7 +3408,7 @@
 </p:sld>
 </file>
 
-<file path=ppt/slides/slide3.xml><?xml version="1.0" encoding="utf-8"?>
+<file path=ppt/slides/slide4.xml><?xml version="1.0" encoding="utf-8"?>
 <p:sld xmlns:a="http://schemas.openxmlformats.org/drawingml/2006/main" xmlns:r="http://schemas.openxmlformats.org/officeDocument/2006/relationships" xmlns:p="http://schemas.openxmlformats.org/presentationml/2006/main">
   <p:cSld>
     <p:spTree>
@@ -3285,12 +3437,14 @@
         </p:nvSpPr>
         <p:spPr/>
         <p:txBody>
-          <a:bodyPr/>
+          <a:bodyPr>
+            <a:normAutofit fontScale="90000"/>
+          </a:bodyPr>
           <a:lstStyle/>
           <a:p>
             <a:r>
               <a:rPr lang="en-US" dirty="0" smtClean="0"/>
-              <a:t>Software Architecture</a:t>
+              <a:t>High Level Architecture – Framework Overview</a:t>
             </a:r>
             <a:endParaRPr lang="en-US" dirty="0"/>
           </a:p>
